--- a/slides/16_decision_making.pptx
+++ b/slides/16_decision_making.pptx
@@ -2420,7 +2420,7 @@
           <a:p>
             <a:fld id="{CDFB1A35-FCF7-4D0C-AE83-400D24256912}" type="datetimeFigureOut">
               <a:rPr lang="en-US" smtClean="0"/>
-              <a:t>11/20/2025</a:t>
+              <a:t>12/16/2025</a:t>
             </a:fld>
             <a:endParaRPr lang="en-US"/>
           </a:p>
@@ -3659,7 +3659,7 @@
           <a:p>
             <a:fld id="{16A8CD98-EF2C-4EFD-A320-0FD1E700AB34}" type="datetimeFigureOut">
               <a:rPr lang="en-US" smtClean="0"/>
-              <a:t>11/20/2025</a:t>
+              <a:t>12/16/2025</a:t>
             </a:fld>
             <a:endParaRPr lang="en-US"/>
           </a:p>
@@ -3857,7 +3857,7 @@
           <a:p>
             <a:fld id="{16A8CD98-EF2C-4EFD-A320-0FD1E700AB34}" type="datetimeFigureOut">
               <a:rPr lang="en-US" smtClean="0"/>
-              <a:t>11/20/2025</a:t>
+              <a:t>12/16/2025</a:t>
             </a:fld>
             <a:endParaRPr lang="en-US"/>
           </a:p>
@@ -4065,7 +4065,7 @@
           <a:p>
             <a:fld id="{16A8CD98-EF2C-4EFD-A320-0FD1E700AB34}" type="datetimeFigureOut">
               <a:rPr lang="en-US" smtClean="0"/>
-              <a:t>11/20/2025</a:t>
+              <a:t>12/16/2025</a:t>
             </a:fld>
             <a:endParaRPr lang="en-US"/>
           </a:p>
@@ -4263,7 +4263,7 @@
           <a:p>
             <a:fld id="{16A8CD98-EF2C-4EFD-A320-0FD1E700AB34}" type="datetimeFigureOut">
               <a:rPr lang="en-US" smtClean="0"/>
-              <a:t>11/20/2025</a:t>
+              <a:t>12/16/2025</a:t>
             </a:fld>
             <a:endParaRPr lang="en-US"/>
           </a:p>
@@ -4538,7 +4538,7 @@
           <a:p>
             <a:fld id="{16A8CD98-EF2C-4EFD-A320-0FD1E700AB34}" type="datetimeFigureOut">
               <a:rPr lang="en-US" smtClean="0"/>
-              <a:t>11/20/2025</a:t>
+              <a:t>12/16/2025</a:t>
             </a:fld>
             <a:endParaRPr lang="en-US"/>
           </a:p>
@@ -4803,7 +4803,7 @@
           <a:p>
             <a:fld id="{16A8CD98-EF2C-4EFD-A320-0FD1E700AB34}" type="datetimeFigureOut">
               <a:rPr lang="en-US" smtClean="0"/>
-              <a:t>11/20/2025</a:t>
+              <a:t>12/16/2025</a:t>
             </a:fld>
             <a:endParaRPr lang="en-US"/>
           </a:p>
@@ -5215,7 +5215,7 @@
           <a:p>
             <a:fld id="{16A8CD98-EF2C-4EFD-A320-0FD1E700AB34}" type="datetimeFigureOut">
               <a:rPr lang="en-US" smtClean="0"/>
-              <a:t>11/20/2025</a:t>
+              <a:t>12/16/2025</a:t>
             </a:fld>
             <a:endParaRPr lang="en-US"/>
           </a:p>
@@ -5356,7 +5356,7 @@
           <a:p>
             <a:fld id="{16A8CD98-EF2C-4EFD-A320-0FD1E700AB34}" type="datetimeFigureOut">
               <a:rPr lang="en-US" smtClean="0"/>
-              <a:t>11/20/2025</a:t>
+              <a:t>12/16/2025</a:t>
             </a:fld>
             <a:endParaRPr lang="en-US"/>
           </a:p>
@@ -5469,7 +5469,7 @@
           <a:p>
             <a:fld id="{16A8CD98-EF2C-4EFD-A320-0FD1E700AB34}" type="datetimeFigureOut">
               <a:rPr lang="en-US" smtClean="0"/>
-              <a:t>11/20/2025</a:t>
+              <a:t>12/16/2025</a:t>
             </a:fld>
             <a:endParaRPr lang="en-US"/>
           </a:p>
@@ -5780,7 +5780,7 @@
           <a:p>
             <a:fld id="{16A8CD98-EF2C-4EFD-A320-0FD1E700AB34}" type="datetimeFigureOut">
               <a:rPr lang="en-US" smtClean="0"/>
-              <a:t>11/20/2025</a:t>
+              <a:t>12/16/2025</a:t>
             </a:fld>
             <a:endParaRPr lang="en-US"/>
           </a:p>
@@ -6068,7 +6068,7 @@
           <a:p>
             <a:fld id="{16A8CD98-EF2C-4EFD-A320-0FD1E700AB34}" type="datetimeFigureOut">
               <a:rPr lang="en-US" smtClean="0"/>
-              <a:t>11/20/2025</a:t>
+              <a:t>12/16/2025</a:t>
             </a:fld>
             <a:endParaRPr lang="en-US"/>
           </a:p>
@@ -6309,7 +6309,7 @@
           <a:p>
             <a:fld id="{16A8CD98-EF2C-4EFD-A320-0FD1E700AB34}" type="datetimeFigureOut">
               <a:rPr lang="en-US" smtClean="0"/>
-              <a:t>11/20/2025</a:t>
+              <a:t>12/16/2025</a:t>
             </a:fld>
             <a:endParaRPr lang="en-US"/>
           </a:p>
@@ -18766,8 +18766,8 @@
           </p:sp>
         </mc:Fallback>
       </mc:AlternateContent>
-      <mc:AlternateContent xmlns:mc="http://schemas.openxmlformats.org/markup-compatibility/2006" xmlns:a14="http://schemas.microsoft.com/office/drawing/2010/main">
-        <mc:Choice Requires="a14">
+      <mc:AlternateContent xmlns:mc="http://schemas.openxmlformats.org/markup-compatibility/2006">
+        <mc:Choice xmlns:a14="http://schemas.microsoft.com/office/drawing/2010/main" Requires="a14">
           <p:sp>
             <p:nvSpPr>
               <p:cNvPr id="9" name="Text Box 62">
@@ -18975,8 +18975,19 @@
                     <a:latin typeface="Calibri"/>
                     <a:cs typeface="Calibri"/>
                   </a:rPr>
-                  <a:t> = leave</a:t>
+                  <a:t> </a:t>
                 </a:r>
+                <a:r>
+                  <a:rPr lang="en-US" sz="1800">
+                    <a:latin typeface="Calibri"/>
+                    <a:cs typeface="Calibri"/>
+                  </a:rPr>
+                  <a:t>= take</a:t>
+                </a:r>
+                <a:endParaRPr lang="en-US" sz="1800" dirty="0">
+                  <a:latin typeface="Calibri"/>
+                  <a:cs typeface="Calibri"/>
+                </a:endParaRPr>
               </a:p>
               <a:p>
                 <a:pPr eaLnBrk="1" hangingPunct="1">
@@ -19156,7 +19167,7 @@
             </p:txBody>
           </p:sp>
         </mc:Choice>
-        <mc:Fallback xmlns="">
+        <mc:Fallback>
           <p:sp>
             <p:nvSpPr>
               <p:cNvPr id="9" name="Text Box 62">
@@ -28769,68 +28780,68 @@
           <a:custGeom>
             <a:avLst/>
             <a:gdLst>
-              <a:gd name="connsiteX0" fmla="*/ 0 w 3255095"/>
-              <a:gd name="connsiteY0" fmla="*/ 0 h 18288"/>
-              <a:gd name="connsiteX1" fmla="*/ 618468 w 3255095"/>
-              <a:gd name="connsiteY1" fmla="*/ 0 h 18288"/>
-              <a:gd name="connsiteX2" fmla="*/ 1269487 w 3255095"/>
-              <a:gd name="connsiteY2" fmla="*/ 0 h 18288"/>
-              <a:gd name="connsiteX3" fmla="*/ 1953057 w 3255095"/>
-              <a:gd name="connsiteY3" fmla="*/ 0 h 18288"/>
-              <a:gd name="connsiteX4" fmla="*/ 2636627 w 3255095"/>
-              <a:gd name="connsiteY4" fmla="*/ 0 h 18288"/>
-              <a:gd name="connsiteX5" fmla="*/ 3255095 w 3255095"/>
-              <a:gd name="connsiteY5" fmla="*/ 0 h 18288"/>
-              <a:gd name="connsiteX6" fmla="*/ 3255095 w 3255095"/>
-              <a:gd name="connsiteY6" fmla="*/ 18288 h 18288"/>
-              <a:gd name="connsiteX7" fmla="*/ 2538974 w 3255095"/>
-              <a:gd name="connsiteY7" fmla="*/ 18288 h 18288"/>
-              <a:gd name="connsiteX8" fmla="*/ 1822853 w 3255095"/>
-              <a:gd name="connsiteY8" fmla="*/ 18288 h 18288"/>
-              <a:gd name="connsiteX9" fmla="*/ 1171834 w 3255095"/>
-              <a:gd name="connsiteY9" fmla="*/ 18288 h 18288"/>
-              <a:gd name="connsiteX10" fmla="*/ 0 w 3255095"/>
-              <a:gd name="connsiteY10" fmla="*/ 18288 h 18288"/>
-              <a:gd name="connsiteX11" fmla="*/ 0 w 3255095"/>
-              <a:gd name="connsiteY11" fmla="*/ 0 h 18288"/>
+              <a:gd name="csX0" fmla="*/ 0 w 3255095"/>
+              <a:gd name="csY0" fmla="*/ 0 h 18288"/>
+              <a:gd name="csX1" fmla="*/ 618468 w 3255095"/>
+              <a:gd name="csY1" fmla="*/ 0 h 18288"/>
+              <a:gd name="csX2" fmla="*/ 1269487 w 3255095"/>
+              <a:gd name="csY2" fmla="*/ 0 h 18288"/>
+              <a:gd name="csX3" fmla="*/ 1953057 w 3255095"/>
+              <a:gd name="csY3" fmla="*/ 0 h 18288"/>
+              <a:gd name="csX4" fmla="*/ 2636627 w 3255095"/>
+              <a:gd name="csY4" fmla="*/ 0 h 18288"/>
+              <a:gd name="csX5" fmla="*/ 3255095 w 3255095"/>
+              <a:gd name="csY5" fmla="*/ 0 h 18288"/>
+              <a:gd name="csX6" fmla="*/ 3255095 w 3255095"/>
+              <a:gd name="csY6" fmla="*/ 18288 h 18288"/>
+              <a:gd name="csX7" fmla="*/ 2538974 w 3255095"/>
+              <a:gd name="csY7" fmla="*/ 18288 h 18288"/>
+              <a:gd name="csX8" fmla="*/ 1822853 w 3255095"/>
+              <a:gd name="csY8" fmla="*/ 18288 h 18288"/>
+              <a:gd name="csX9" fmla="*/ 1171834 w 3255095"/>
+              <a:gd name="csY9" fmla="*/ 18288 h 18288"/>
+              <a:gd name="csX10" fmla="*/ 0 w 3255095"/>
+              <a:gd name="csY10" fmla="*/ 18288 h 18288"/>
+              <a:gd name="csX11" fmla="*/ 0 w 3255095"/>
+              <a:gd name="csY11" fmla="*/ 0 h 18288"/>
             </a:gdLst>
             <a:ahLst/>
             <a:cxnLst>
               <a:cxn ang="0">
-                <a:pos x="connsiteX0" y="connsiteY0"/>
+                <a:pos x="csX0" y="csY0"/>
               </a:cxn>
               <a:cxn ang="0">
-                <a:pos x="connsiteX1" y="connsiteY1"/>
+                <a:pos x="csX1" y="csY1"/>
               </a:cxn>
               <a:cxn ang="0">
-                <a:pos x="connsiteX2" y="connsiteY2"/>
+                <a:pos x="csX2" y="csY2"/>
               </a:cxn>
               <a:cxn ang="0">
-                <a:pos x="connsiteX3" y="connsiteY3"/>
+                <a:pos x="csX3" y="csY3"/>
               </a:cxn>
               <a:cxn ang="0">
-                <a:pos x="connsiteX4" y="connsiteY4"/>
+                <a:pos x="csX4" y="csY4"/>
               </a:cxn>
               <a:cxn ang="0">
-                <a:pos x="connsiteX5" y="connsiteY5"/>
+                <a:pos x="csX5" y="csY5"/>
               </a:cxn>
               <a:cxn ang="0">
-                <a:pos x="connsiteX6" y="connsiteY6"/>
+                <a:pos x="csX6" y="csY6"/>
               </a:cxn>
               <a:cxn ang="0">
-                <a:pos x="connsiteX7" y="connsiteY7"/>
+                <a:pos x="csX7" y="csY7"/>
               </a:cxn>
               <a:cxn ang="0">
-                <a:pos x="connsiteX8" y="connsiteY8"/>
+                <a:pos x="csX8" y="csY8"/>
               </a:cxn>
               <a:cxn ang="0">
-                <a:pos x="connsiteX9" y="connsiteY9"/>
+                <a:pos x="csX9" y="csY9"/>
               </a:cxn>
               <a:cxn ang="0">
-                <a:pos x="connsiteX10" y="connsiteY10"/>
+                <a:pos x="csX10" y="csY10"/>
               </a:cxn>
               <a:cxn ang="0">
-                <a:pos x="connsiteX11" y="connsiteY11"/>
+                <a:pos x="csX11" y="csY11"/>
               </a:cxn>
             </a:cxnLst>
             <a:rect l="l" t="t" r="r" b="b"/>
@@ -30311,68 +30322,68 @@
           <a:custGeom>
             <a:avLst/>
             <a:gdLst>
-              <a:gd name="connsiteX0" fmla="*/ 0 w 3255095"/>
-              <a:gd name="connsiteY0" fmla="*/ 0 h 18288"/>
-              <a:gd name="connsiteX1" fmla="*/ 618468 w 3255095"/>
-              <a:gd name="connsiteY1" fmla="*/ 0 h 18288"/>
-              <a:gd name="connsiteX2" fmla="*/ 1269487 w 3255095"/>
-              <a:gd name="connsiteY2" fmla="*/ 0 h 18288"/>
-              <a:gd name="connsiteX3" fmla="*/ 1953057 w 3255095"/>
-              <a:gd name="connsiteY3" fmla="*/ 0 h 18288"/>
-              <a:gd name="connsiteX4" fmla="*/ 2636627 w 3255095"/>
-              <a:gd name="connsiteY4" fmla="*/ 0 h 18288"/>
-              <a:gd name="connsiteX5" fmla="*/ 3255095 w 3255095"/>
-              <a:gd name="connsiteY5" fmla="*/ 0 h 18288"/>
-              <a:gd name="connsiteX6" fmla="*/ 3255095 w 3255095"/>
-              <a:gd name="connsiteY6" fmla="*/ 18288 h 18288"/>
-              <a:gd name="connsiteX7" fmla="*/ 2538974 w 3255095"/>
-              <a:gd name="connsiteY7" fmla="*/ 18288 h 18288"/>
-              <a:gd name="connsiteX8" fmla="*/ 1822853 w 3255095"/>
-              <a:gd name="connsiteY8" fmla="*/ 18288 h 18288"/>
-              <a:gd name="connsiteX9" fmla="*/ 1171834 w 3255095"/>
-              <a:gd name="connsiteY9" fmla="*/ 18288 h 18288"/>
-              <a:gd name="connsiteX10" fmla="*/ 0 w 3255095"/>
-              <a:gd name="connsiteY10" fmla="*/ 18288 h 18288"/>
-              <a:gd name="connsiteX11" fmla="*/ 0 w 3255095"/>
-              <a:gd name="connsiteY11" fmla="*/ 0 h 18288"/>
+              <a:gd name="csX0" fmla="*/ 0 w 3255095"/>
+              <a:gd name="csY0" fmla="*/ 0 h 18288"/>
+              <a:gd name="csX1" fmla="*/ 618468 w 3255095"/>
+              <a:gd name="csY1" fmla="*/ 0 h 18288"/>
+              <a:gd name="csX2" fmla="*/ 1269487 w 3255095"/>
+              <a:gd name="csY2" fmla="*/ 0 h 18288"/>
+              <a:gd name="csX3" fmla="*/ 1953057 w 3255095"/>
+              <a:gd name="csY3" fmla="*/ 0 h 18288"/>
+              <a:gd name="csX4" fmla="*/ 2636627 w 3255095"/>
+              <a:gd name="csY4" fmla="*/ 0 h 18288"/>
+              <a:gd name="csX5" fmla="*/ 3255095 w 3255095"/>
+              <a:gd name="csY5" fmla="*/ 0 h 18288"/>
+              <a:gd name="csX6" fmla="*/ 3255095 w 3255095"/>
+              <a:gd name="csY6" fmla="*/ 18288 h 18288"/>
+              <a:gd name="csX7" fmla="*/ 2538974 w 3255095"/>
+              <a:gd name="csY7" fmla="*/ 18288 h 18288"/>
+              <a:gd name="csX8" fmla="*/ 1822853 w 3255095"/>
+              <a:gd name="csY8" fmla="*/ 18288 h 18288"/>
+              <a:gd name="csX9" fmla="*/ 1171834 w 3255095"/>
+              <a:gd name="csY9" fmla="*/ 18288 h 18288"/>
+              <a:gd name="csX10" fmla="*/ 0 w 3255095"/>
+              <a:gd name="csY10" fmla="*/ 18288 h 18288"/>
+              <a:gd name="csX11" fmla="*/ 0 w 3255095"/>
+              <a:gd name="csY11" fmla="*/ 0 h 18288"/>
             </a:gdLst>
             <a:ahLst/>
             <a:cxnLst>
               <a:cxn ang="0">
-                <a:pos x="connsiteX0" y="connsiteY0"/>
+                <a:pos x="csX0" y="csY0"/>
               </a:cxn>
               <a:cxn ang="0">
-                <a:pos x="connsiteX1" y="connsiteY1"/>
+                <a:pos x="csX1" y="csY1"/>
               </a:cxn>
               <a:cxn ang="0">
-                <a:pos x="connsiteX2" y="connsiteY2"/>
+                <a:pos x="csX2" y="csY2"/>
               </a:cxn>
               <a:cxn ang="0">
-                <a:pos x="connsiteX3" y="connsiteY3"/>
+                <a:pos x="csX3" y="csY3"/>
               </a:cxn>
               <a:cxn ang="0">
-                <a:pos x="connsiteX4" y="connsiteY4"/>
+                <a:pos x="csX4" y="csY4"/>
               </a:cxn>
               <a:cxn ang="0">
-                <a:pos x="connsiteX5" y="connsiteY5"/>
+                <a:pos x="csX5" y="csY5"/>
               </a:cxn>
               <a:cxn ang="0">
-                <a:pos x="connsiteX6" y="connsiteY6"/>
+                <a:pos x="csX6" y="csY6"/>
               </a:cxn>
               <a:cxn ang="0">
-                <a:pos x="connsiteX7" y="connsiteY7"/>
+                <a:pos x="csX7" y="csY7"/>
               </a:cxn>
               <a:cxn ang="0">
-                <a:pos x="connsiteX8" y="connsiteY8"/>
+                <a:pos x="csX8" y="csY8"/>
               </a:cxn>
               <a:cxn ang="0">
-                <a:pos x="connsiteX9" y="connsiteY9"/>
+                <a:pos x="csX9" y="csY9"/>
               </a:cxn>
               <a:cxn ang="0">
-                <a:pos x="connsiteX10" y="connsiteY10"/>
+                <a:pos x="csX10" y="csY10"/>
               </a:cxn>
               <a:cxn ang="0">
-                <a:pos x="connsiteX11" y="connsiteY11"/>
+                <a:pos x="csX11" y="csY11"/>
               </a:cxn>
             </a:cxnLst>
             <a:rect l="l" t="t" r="r" b="b"/>
@@ -32595,68 +32606,68 @@
           <a:custGeom>
             <a:avLst/>
             <a:gdLst>
-              <a:gd name="connsiteX0" fmla="*/ 0 w 3255095"/>
-              <a:gd name="connsiteY0" fmla="*/ 0 h 18288"/>
-              <a:gd name="connsiteX1" fmla="*/ 618468 w 3255095"/>
-              <a:gd name="connsiteY1" fmla="*/ 0 h 18288"/>
-              <a:gd name="connsiteX2" fmla="*/ 1269487 w 3255095"/>
-              <a:gd name="connsiteY2" fmla="*/ 0 h 18288"/>
-              <a:gd name="connsiteX3" fmla="*/ 1953057 w 3255095"/>
-              <a:gd name="connsiteY3" fmla="*/ 0 h 18288"/>
-              <a:gd name="connsiteX4" fmla="*/ 2636627 w 3255095"/>
-              <a:gd name="connsiteY4" fmla="*/ 0 h 18288"/>
-              <a:gd name="connsiteX5" fmla="*/ 3255095 w 3255095"/>
-              <a:gd name="connsiteY5" fmla="*/ 0 h 18288"/>
-              <a:gd name="connsiteX6" fmla="*/ 3255095 w 3255095"/>
-              <a:gd name="connsiteY6" fmla="*/ 18288 h 18288"/>
-              <a:gd name="connsiteX7" fmla="*/ 2538974 w 3255095"/>
-              <a:gd name="connsiteY7" fmla="*/ 18288 h 18288"/>
-              <a:gd name="connsiteX8" fmla="*/ 1822853 w 3255095"/>
-              <a:gd name="connsiteY8" fmla="*/ 18288 h 18288"/>
-              <a:gd name="connsiteX9" fmla="*/ 1171834 w 3255095"/>
-              <a:gd name="connsiteY9" fmla="*/ 18288 h 18288"/>
-              <a:gd name="connsiteX10" fmla="*/ 0 w 3255095"/>
-              <a:gd name="connsiteY10" fmla="*/ 18288 h 18288"/>
-              <a:gd name="connsiteX11" fmla="*/ 0 w 3255095"/>
-              <a:gd name="connsiteY11" fmla="*/ 0 h 18288"/>
+              <a:gd name="csX0" fmla="*/ 0 w 3255095"/>
+              <a:gd name="csY0" fmla="*/ 0 h 18288"/>
+              <a:gd name="csX1" fmla="*/ 618468 w 3255095"/>
+              <a:gd name="csY1" fmla="*/ 0 h 18288"/>
+              <a:gd name="csX2" fmla="*/ 1269487 w 3255095"/>
+              <a:gd name="csY2" fmla="*/ 0 h 18288"/>
+              <a:gd name="csX3" fmla="*/ 1953057 w 3255095"/>
+              <a:gd name="csY3" fmla="*/ 0 h 18288"/>
+              <a:gd name="csX4" fmla="*/ 2636627 w 3255095"/>
+              <a:gd name="csY4" fmla="*/ 0 h 18288"/>
+              <a:gd name="csX5" fmla="*/ 3255095 w 3255095"/>
+              <a:gd name="csY5" fmla="*/ 0 h 18288"/>
+              <a:gd name="csX6" fmla="*/ 3255095 w 3255095"/>
+              <a:gd name="csY6" fmla="*/ 18288 h 18288"/>
+              <a:gd name="csX7" fmla="*/ 2538974 w 3255095"/>
+              <a:gd name="csY7" fmla="*/ 18288 h 18288"/>
+              <a:gd name="csX8" fmla="*/ 1822853 w 3255095"/>
+              <a:gd name="csY8" fmla="*/ 18288 h 18288"/>
+              <a:gd name="csX9" fmla="*/ 1171834 w 3255095"/>
+              <a:gd name="csY9" fmla="*/ 18288 h 18288"/>
+              <a:gd name="csX10" fmla="*/ 0 w 3255095"/>
+              <a:gd name="csY10" fmla="*/ 18288 h 18288"/>
+              <a:gd name="csX11" fmla="*/ 0 w 3255095"/>
+              <a:gd name="csY11" fmla="*/ 0 h 18288"/>
             </a:gdLst>
             <a:ahLst/>
             <a:cxnLst>
               <a:cxn ang="0">
-                <a:pos x="connsiteX0" y="connsiteY0"/>
+                <a:pos x="csX0" y="csY0"/>
               </a:cxn>
               <a:cxn ang="0">
-                <a:pos x="connsiteX1" y="connsiteY1"/>
+                <a:pos x="csX1" y="csY1"/>
               </a:cxn>
               <a:cxn ang="0">
-                <a:pos x="connsiteX2" y="connsiteY2"/>
+                <a:pos x="csX2" y="csY2"/>
               </a:cxn>
               <a:cxn ang="0">
-                <a:pos x="connsiteX3" y="connsiteY3"/>
+                <a:pos x="csX3" y="csY3"/>
               </a:cxn>
               <a:cxn ang="0">
-                <a:pos x="connsiteX4" y="connsiteY4"/>
+                <a:pos x="csX4" y="csY4"/>
               </a:cxn>
               <a:cxn ang="0">
-                <a:pos x="connsiteX5" y="connsiteY5"/>
+                <a:pos x="csX5" y="csY5"/>
               </a:cxn>
               <a:cxn ang="0">
-                <a:pos x="connsiteX6" y="connsiteY6"/>
+                <a:pos x="csX6" y="csY6"/>
               </a:cxn>
               <a:cxn ang="0">
-                <a:pos x="connsiteX7" y="connsiteY7"/>
+                <a:pos x="csX7" y="csY7"/>
               </a:cxn>
               <a:cxn ang="0">
-                <a:pos x="connsiteX8" y="connsiteY8"/>
+                <a:pos x="csX8" y="csY8"/>
               </a:cxn>
               <a:cxn ang="0">
-                <a:pos x="connsiteX9" y="connsiteY9"/>
+                <a:pos x="csX9" y="csY9"/>
               </a:cxn>
               <a:cxn ang="0">
-                <a:pos x="connsiteX10" y="connsiteY10"/>
+                <a:pos x="csX10" y="csY10"/>
               </a:cxn>
               <a:cxn ang="0">
-                <a:pos x="connsiteX11" y="connsiteY11"/>
+                <a:pos x="csX11" y="csY11"/>
               </a:cxn>
             </a:cxnLst>
             <a:rect l="l" t="t" r="r" b="b"/>
